--- a/ppt 16-9/0160.圣灵降临.pptx
+++ b/ppt 16-9/0160.圣灵降临.pptx
@@ -129,7 +129,7 @@
           <p:cNvPr id="2" name="标题 1">
             <a:extLst>
               <a:ext uri="{FF2B5EF4-FFF2-40B4-BE49-F238E27FC236}">
-                <a16:creationId xmlns:a16="http://schemas.microsoft.com/office/drawing/2014/main" id="{4DB2C7E6-4428-43F6-DF2E-0BFD3EE8ABFF}"/>
+                <a16:creationId xmlns:a16="http://schemas.microsoft.com/office/drawing/2014/main" id="{C53874A9-30B5-FBC4-6E56-08CA09701E30}"/>
               </a:ext>
             </a:extLst>
           </p:cNvPr>
@@ -166,7 +166,7 @@
           <p:cNvPr id="3" name="副标题 2">
             <a:extLst>
               <a:ext uri="{FF2B5EF4-FFF2-40B4-BE49-F238E27FC236}">
-                <a16:creationId xmlns:a16="http://schemas.microsoft.com/office/drawing/2014/main" id="{2007B088-3301-C68D-B016-C3ED22CADC90}"/>
+                <a16:creationId xmlns:a16="http://schemas.microsoft.com/office/drawing/2014/main" id="{E2E72BCB-4C2D-5B88-CA7D-0CD503389B16}"/>
               </a:ext>
             </a:extLst>
           </p:cNvPr>
@@ -236,7 +236,7 @@
           <p:cNvPr id="4" name="日期占位符 3">
             <a:extLst>
               <a:ext uri="{FF2B5EF4-FFF2-40B4-BE49-F238E27FC236}">
-                <a16:creationId xmlns:a16="http://schemas.microsoft.com/office/drawing/2014/main" id="{F811DC20-1704-4E32-D340-39E8EDE6523C}"/>
+                <a16:creationId xmlns:a16="http://schemas.microsoft.com/office/drawing/2014/main" id="{8666C006-3779-A382-E33B-029248AF490B}"/>
               </a:ext>
             </a:extLst>
           </p:cNvPr>
@@ -252,7 +252,7 @@
           <a:bodyPr/>
           <a:lstStyle/>
           <a:p>
-            <a:fld id="{0A206EE8-CF33-460A-BE90-B8A5F3B80D24}" type="datetimeFigureOut">
+            <a:fld id="{E2124A15-0960-467E-AD43-5F1DB57EDB45}" type="datetimeFigureOut">
               <a:rPr lang="zh-CN" altLang="en-US" smtClean="0"/>
               <a:t>2024/3/10</a:t>
             </a:fld>
@@ -265,7 +265,7 @@
           <p:cNvPr id="5" name="页脚占位符 4">
             <a:extLst>
               <a:ext uri="{FF2B5EF4-FFF2-40B4-BE49-F238E27FC236}">
-                <a16:creationId xmlns:a16="http://schemas.microsoft.com/office/drawing/2014/main" id="{5E58027C-5AFF-DF67-C1FF-E9ACF8DF5B50}"/>
+                <a16:creationId xmlns:a16="http://schemas.microsoft.com/office/drawing/2014/main" id="{F501864C-8BE9-1C00-BDBA-7DEC6F01F618}"/>
               </a:ext>
             </a:extLst>
           </p:cNvPr>
@@ -290,7 +290,7 @@
           <p:cNvPr id="6" name="灯片编号占位符 5">
             <a:extLst>
               <a:ext uri="{FF2B5EF4-FFF2-40B4-BE49-F238E27FC236}">
-                <a16:creationId xmlns:a16="http://schemas.microsoft.com/office/drawing/2014/main" id="{E33ED896-A710-0028-668A-E5AE81590352}"/>
+                <a16:creationId xmlns:a16="http://schemas.microsoft.com/office/drawing/2014/main" id="{A3D64A63-001E-5B8D-FD5B-8D3F18958C45}"/>
               </a:ext>
             </a:extLst>
           </p:cNvPr>
@@ -306,7 +306,7 @@
           <a:bodyPr/>
           <a:lstStyle/>
           <a:p>
-            <a:fld id="{9C22A715-222B-4576-B863-D28AF96686BF}" type="slidenum">
+            <a:fld id="{E0CF7780-D801-4242-A759-98895BDD6098}" type="slidenum">
               <a:rPr lang="zh-CN" altLang="en-US" smtClean="0"/>
               <a:t>‹#›</a:t>
             </a:fld>
@@ -317,7 +317,7 @@
     </p:spTree>
     <p:extLst>
       <p:ext uri="{BB962C8B-B14F-4D97-AF65-F5344CB8AC3E}">
-        <p14:creationId xmlns:p14="http://schemas.microsoft.com/office/powerpoint/2010/main" val="420521781"/>
+        <p14:creationId xmlns:p14="http://schemas.microsoft.com/office/powerpoint/2010/main" val="434653916"/>
       </p:ext>
     </p:extLst>
   </p:cSld>
@@ -349,7 +349,7 @@
           <p:cNvPr id="2" name="标题 1">
             <a:extLst>
               <a:ext uri="{FF2B5EF4-FFF2-40B4-BE49-F238E27FC236}">
-                <a16:creationId xmlns:a16="http://schemas.microsoft.com/office/drawing/2014/main" id="{951D5414-94A2-C44A-F5CA-B9BEF15301BA}"/>
+                <a16:creationId xmlns:a16="http://schemas.microsoft.com/office/drawing/2014/main" id="{5C598239-8BF6-2A76-665F-BAE746D51794}"/>
               </a:ext>
             </a:extLst>
           </p:cNvPr>
@@ -377,7 +377,7 @@
           <p:cNvPr id="3" name="竖排文字占位符 2">
             <a:extLst>
               <a:ext uri="{FF2B5EF4-FFF2-40B4-BE49-F238E27FC236}">
-                <a16:creationId xmlns:a16="http://schemas.microsoft.com/office/drawing/2014/main" id="{F2659184-7E40-33FB-E4AE-53195DF61161}"/>
+                <a16:creationId xmlns:a16="http://schemas.microsoft.com/office/drawing/2014/main" id="{6827DCF6-268B-45A7-5A95-8559812FA4B0}"/>
               </a:ext>
             </a:extLst>
           </p:cNvPr>
@@ -434,7 +434,7 @@
           <p:cNvPr id="4" name="日期占位符 3">
             <a:extLst>
               <a:ext uri="{FF2B5EF4-FFF2-40B4-BE49-F238E27FC236}">
-                <a16:creationId xmlns:a16="http://schemas.microsoft.com/office/drawing/2014/main" id="{351CC072-76F3-B7B1-8269-4201A21DC3C8}"/>
+                <a16:creationId xmlns:a16="http://schemas.microsoft.com/office/drawing/2014/main" id="{A165D697-755A-3353-604D-81CF18B0E67C}"/>
               </a:ext>
             </a:extLst>
           </p:cNvPr>
@@ -450,7 +450,7 @@
           <a:bodyPr/>
           <a:lstStyle/>
           <a:p>
-            <a:fld id="{0A206EE8-CF33-460A-BE90-B8A5F3B80D24}" type="datetimeFigureOut">
+            <a:fld id="{E2124A15-0960-467E-AD43-5F1DB57EDB45}" type="datetimeFigureOut">
               <a:rPr lang="zh-CN" altLang="en-US" smtClean="0"/>
               <a:t>2024/3/10</a:t>
             </a:fld>
@@ -463,7 +463,7 @@
           <p:cNvPr id="5" name="页脚占位符 4">
             <a:extLst>
               <a:ext uri="{FF2B5EF4-FFF2-40B4-BE49-F238E27FC236}">
-                <a16:creationId xmlns:a16="http://schemas.microsoft.com/office/drawing/2014/main" id="{21484E68-AF28-7908-B4DC-3752DAAC5256}"/>
+                <a16:creationId xmlns:a16="http://schemas.microsoft.com/office/drawing/2014/main" id="{2FDD37FF-E5B9-3526-5075-FAD16CA891AD}"/>
               </a:ext>
             </a:extLst>
           </p:cNvPr>
@@ -488,7 +488,7 @@
           <p:cNvPr id="6" name="灯片编号占位符 5">
             <a:extLst>
               <a:ext uri="{FF2B5EF4-FFF2-40B4-BE49-F238E27FC236}">
-                <a16:creationId xmlns:a16="http://schemas.microsoft.com/office/drawing/2014/main" id="{366CC657-0A38-833F-57C7-4804A18AED87}"/>
+                <a16:creationId xmlns:a16="http://schemas.microsoft.com/office/drawing/2014/main" id="{C6FCF2F9-5BD7-4387-78B6-DC785B9D5BB1}"/>
               </a:ext>
             </a:extLst>
           </p:cNvPr>
@@ -504,7 +504,7 @@
           <a:bodyPr/>
           <a:lstStyle/>
           <a:p>
-            <a:fld id="{9C22A715-222B-4576-B863-D28AF96686BF}" type="slidenum">
+            <a:fld id="{E0CF7780-D801-4242-A759-98895BDD6098}" type="slidenum">
               <a:rPr lang="zh-CN" altLang="en-US" smtClean="0"/>
               <a:t>‹#›</a:t>
             </a:fld>
@@ -515,7 +515,7 @@
     </p:spTree>
     <p:extLst>
       <p:ext uri="{BB962C8B-B14F-4D97-AF65-F5344CB8AC3E}">
-        <p14:creationId xmlns:p14="http://schemas.microsoft.com/office/powerpoint/2010/main" val="1397059816"/>
+        <p14:creationId xmlns:p14="http://schemas.microsoft.com/office/powerpoint/2010/main" val="2303631931"/>
       </p:ext>
     </p:extLst>
   </p:cSld>
@@ -547,7 +547,7 @@
           <p:cNvPr id="2" name="竖排标题 1">
             <a:extLst>
               <a:ext uri="{FF2B5EF4-FFF2-40B4-BE49-F238E27FC236}">
-                <a16:creationId xmlns:a16="http://schemas.microsoft.com/office/drawing/2014/main" id="{AEA59BF8-7795-59F7-B802-02215DDCA9EA}"/>
+                <a16:creationId xmlns:a16="http://schemas.microsoft.com/office/drawing/2014/main" id="{5A455C77-79CA-088F-D072-B9EE652780B6}"/>
               </a:ext>
             </a:extLst>
           </p:cNvPr>
@@ -580,7 +580,7 @@
           <p:cNvPr id="3" name="竖排文字占位符 2">
             <a:extLst>
               <a:ext uri="{FF2B5EF4-FFF2-40B4-BE49-F238E27FC236}">
-                <a16:creationId xmlns:a16="http://schemas.microsoft.com/office/drawing/2014/main" id="{3749CE63-9736-D81F-7420-C7393E16D3BF}"/>
+                <a16:creationId xmlns:a16="http://schemas.microsoft.com/office/drawing/2014/main" id="{4E66729F-3061-49DD-B9BD-EAD9A71BE80B}"/>
               </a:ext>
             </a:extLst>
           </p:cNvPr>
@@ -642,7 +642,7 @@
           <p:cNvPr id="4" name="日期占位符 3">
             <a:extLst>
               <a:ext uri="{FF2B5EF4-FFF2-40B4-BE49-F238E27FC236}">
-                <a16:creationId xmlns:a16="http://schemas.microsoft.com/office/drawing/2014/main" id="{2C26E84E-18AE-9DCC-E484-3B913AAAC83C}"/>
+                <a16:creationId xmlns:a16="http://schemas.microsoft.com/office/drawing/2014/main" id="{FCD15B79-51ED-5DFD-8BB4-B63940475BD6}"/>
               </a:ext>
             </a:extLst>
           </p:cNvPr>
@@ -658,7 +658,7 @@
           <a:bodyPr/>
           <a:lstStyle/>
           <a:p>
-            <a:fld id="{0A206EE8-CF33-460A-BE90-B8A5F3B80D24}" type="datetimeFigureOut">
+            <a:fld id="{E2124A15-0960-467E-AD43-5F1DB57EDB45}" type="datetimeFigureOut">
               <a:rPr lang="zh-CN" altLang="en-US" smtClean="0"/>
               <a:t>2024/3/10</a:t>
             </a:fld>
@@ -671,7 +671,7 @@
           <p:cNvPr id="5" name="页脚占位符 4">
             <a:extLst>
               <a:ext uri="{FF2B5EF4-FFF2-40B4-BE49-F238E27FC236}">
-                <a16:creationId xmlns:a16="http://schemas.microsoft.com/office/drawing/2014/main" id="{80847419-B532-4F58-737E-27942DAF143C}"/>
+                <a16:creationId xmlns:a16="http://schemas.microsoft.com/office/drawing/2014/main" id="{9248240E-5635-F3B3-93A0-4C9926D62359}"/>
               </a:ext>
             </a:extLst>
           </p:cNvPr>
@@ -696,7 +696,7 @@
           <p:cNvPr id="6" name="灯片编号占位符 5">
             <a:extLst>
               <a:ext uri="{FF2B5EF4-FFF2-40B4-BE49-F238E27FC236}">
-                <a16:creationId xmlns:a16="http://schemas.microsoft.com/office/drawing/2014/main" id="{567FA3EE-FBFB-F9AD-D5DF-875487080560}"/>
+                <a16:creationId xmlns:a16="http://schemas.microsoft.com/office/drawing/2014/main" id="{A6FC8F89-C6C9-C557-21DE-48F5D75F86B7}"/>
               </a:ext>
             </a:extLst>
           </p:cNvPr>
@@ -712,7 +712,7 @@
           <a:bodyPr/>
           <a:lstStyle/>
           <a:p>
-            <a:fld id="{9C22A715-222B-4576-B863-D28AF96686BF}" type="slidenum">
+            <a:fld id="{E0CF7780-D801-4242-A759-98895BDD6098}" type="slidenum">
               <a:rPr lang="zh-CN" altLang="en-US" smtClean="0"/>
               <a:t>‹#›</a:t>
             </a:fld>
@@ -723,7 +723,7 @@
     </p:spTree>
     <p:extLst>
       <p:ext uri="{BB962C8B-B14F-4D97-AF65-F5344CB8AC3E}">
-        <p14:creationId xmlns:p14="http://schemas.microsoft.com/office/powerpoint/2010/main" val="4122883781"/>
+        <p14:creationId xmlns:p14="http://schemas.microsoft.com/office/powerpoint/2010/main" val="2356519644"/>
       </p:ext>
     </p:extLst>
   </p:cSld>
@@ -755,7 +755,7 @@
           <p:cNvPr id="2" name="标题 1">
             <a:extLst>
               <a:ext uri="{FF2B5EF4-FFF2-40B4-BE49-F238E27FC236}">
-                <a16:creationId xmlns:a16="http://schemas.microsoft.com/office/drawing/2014/main" id="{16190A08-F3B5-252F-27EF-36558A3D305F}"/>
+                <a16:creationId xmlns:a16="http://schemas.microsoft.com/office/drawing/2014/main" id="{BE26AA34-CE75-2C56-E4DF-8CAB017EA3F5}"/>
               </a:ext>
             </a:extLst>
           </p:cNvPr>
@@ -783,7 +783,7 @@
           <p:cNvPr id="3" name="内容占位符 2">
             <a:extLst>
               <a:ext uri="{FF2B5EF4-FFF2-40B4-BE49-F238E27FC236}">
-                <a16:creationId xmlns:a16="http://schemas.microsoft.com/office/drawing/2014/main" id="{1C116CC9-A85F-C0D3-C912-CFF05618CF73}"/>
+                <a16:creationId xmlns:a16="http://schemas.microsoft.com/office/drawing/2014/main" id="{3992ADD4-3EAE-BC88-8B30-9764F52D9441}"/>
               </a:ext>
             </a:extLst>
           </p:cNvPr>
@@ -840,7 +840,7 @@
           <p:cNvPr id="4" name="日期占位符 3">
             <a:extLst>
               <a:ext uri="{FF2B5EF4-FFF2-40B4-BE49-F238E27FC236}">
-                <a16:creationId xmlns:a16="http://schemas.microsoft.com/office/drawing/2014/main" id="{04E5BC28-83C9-DA67-DDD6-4735C6EFF2B4}"/>
+                <a16:creationId xmlns:a16="http://schemas.microsoft.com/office/drawing/2014/main" id="{925FA63C-8344-7558-C6E0-5CD77C2BC132}"/>
               </a:ext>
             </a:extLst>
           </p:cNvPr>
@@ -856,7 +856,7 @@
           <a:bodyPr/>
           <a:lstStyle/>
           <a:p>
-            <a:fld id="{0A206EE8-CF33-460A-BE90-B8A5F3B80D24}" type="datetimeFigureOut">
+            <a:fld id="{E2124A15-0960-467E-AD43-5F1DB57EDB45}" type="datetimeFigureOut">
               <a:rPr lang="zh-CN" altLang="en-US" smtClean="0"/>
               <a:t>2024/3/10</a:t>
             </a:fld>
@@ -869,7 +869,7 @@
           <p:cNvPr id="5" name="页脚占位符 4">
             <a:extLst>
               <a:ext uri="{FF2B5EF4-FFF2-40B4-BE49-F238E27FC236}">
-                <a16:creationId xmlns:a16="http://schemas.microsoft.com/office/drawing/2014/main" id="{5D54783E-1724-F4C8-7A5C-714229DEBC18}"/>
+                <a16:creationId xmlns:a16="http://schemas.microsoft.com/office/drawing/2014/main" id="{8B1B5401-17D9-7B88-FEB0-61436B963B28}"/>
               </a:ext>
             </a:extLst>
           </p:cNvPr>
@@ -894,7 +894,7 @@
           <p:cNvPr id="6" name="灯片编号占位符 5">
             <a:extLst>
               <a:ext uri="{FF2B5EF4-FFF2-40B4-BE49-F238E27FC236}">
-                <a16:creationId xmlns:a16="http://schemas.microsoft.com/office/drawing/2014/main" id="{5BA18CE1-9E14-DBC2-2D9B-40E06EE501A2}"/>
+                <a16:creationId xmlns:a16="http://schemas.microsoft.com/office/drawing/2014/main" id="{F1D90AF3-0291-5083-485B-238BA59B8607}"/>
               </a:ext>
             </a:extLst>
           </p:cNvPr>
@@ -910,7 +910,7 @@
           <a:bodyPr/>
           <a:lstStyle/>
           <a:p>
-            <a:fld id="{9C22A715-222B-4576-B863-D28AF96686BF}" type="slidenum">
+            <a:fld id="{E0CF7780-D801-4242-A759-98895BDD6098}" type="slidenum">
               <a:rPr lang="zh-CN" altLang="en-US" smtClean="0"/>
               <a:t>‹#›</a:t>
             </a:fld>
@@ -921,7 +921,7 @@
     </p:spTree>
     <p:extLst>
       <p:ext uri="{BB962C8B-B14F-4D97-AF65-F5344CB8AC3E}">
-        <p14:creationId xmlns:p14="http://schemas.microsoft.com/office/powerpoint/2010/main" val="1672684070"/>
+        <p14:creationId xmlns:p14="http://schemas.microsoft.com/office/powerpoint/2010/main" val="3570814823"/>
       </p:ext>
     </p:extLst>
   </p:cSld>
@@ -953,7 +953,7 @@
           <p:cNvPr id="2" name="标题 1">
             <a:extLst>
               <a:ext uri="{FF2B5EF4-FFF2-40B4-BE49-F238E27FC236}">
-                <a16:creationId xmlns:a16="http://schemas.microsoft.com/office/drawing/2014/main" id="{E75658ED-E393-7F5D-6E72-D7879437D5EC}"/>
+                <a16:creationId xmlns:a16="http://schemas.microsoft.com/office/drawing/2014/main" id="{C4D7109B-AA28-F6A0-1EDA-24FF4A283502}"/>
               </a:ext>
             </a:extLst>
           </p:cNvPr>
@@ -990,7 +990,7 @@
           <p:cNvPr id="3" name="文本占位符 2">
             <a:extLst>
               <a:ext uri="{FF2B5EF4-FFF2-40B4-BE49-F238E27FC236}">
-                <a16:creationId xmlns:a16="http://schemas.microsoft.com/office/drawing/2014/main" id="{DECF8FD4-CBDF-A12F-BA01-72A31E1652A3}"/>
+                <a16:creationId xmlns:a16="http://schemas.microsoft.com/office/drawing/2014/main" id="{CD858C8F-5EE1-2347-F5E7-DBD972F390D7}"/>
               </a:ext>
             </a:extLst>
           </p:cNvPr>
@@ -1115,7 +1115,7 @@
           <p:cNvPr id="4" name="日期占位符 3">
             <a:extLst>
               <a:ext uri="{FF2B5EF4-FFF2-40B4-BE49-F238E27FC236}">
-                <a16:creationId xmlns:a16="http://schemas.microsoft.com/office/drawing/2014/main" id="{B64A57F6-BA23-7E02-62BA-9408CAF40E2B}"/>
+                <a16:creationId xmlns:a16="http://schemas.microsoft.com/office/drawing/2014/main" id="{D77FE698-2C98-34D7-3418-22C2A592A94C}"/>
               </a:ext>
             </a:extLst>
           </p:cNvPr>
@@ -1131,7 +1131,7 @@
           <a:bodyPr/>
           <a:lstStyle/>
           <a:p>
-            <a:fld id="{0A206EE8-CF33-460A-BE90-B8A5F3B80D24}" type="datetimeFigureOut">
+            <a:fld id="{E2124A15-0960-467E-AD43-5F1DB57EDB45}" type="datetimeFigureOut">
               <a:rPr lang="zh-CN" altLang="en-US" smtClean="0"/>
               <a:t>2024/3/10</a:t>
             </a:fld>
@@ -1144,7 +1144,7 @@
           <p:cNvPr id="5" name="页脚占位符 4">
             <a:extLst>
               <a:ext uri="{FF2B5EF4-FFF2-40B4-BE49-F238E27FC236}">
-                <a16:creationId xmlns:a16="http://schemas.microsoft.com/office/drawing/2014/main" id="{764DED02-A8FF-81E7-78DD-5125886DE423}"/>
+                <a16:creationId xmlns:a16="http://schemas.microsoft.com/office/drawing/2014/main" id="{BEED3341-ADE7-4167-9867-9465832A33E1}"/>
               </a:ext>
             </a:extLst>
           </p:cNvPr>
@@ -1169,7 +1169,7 @@
           <p:cNvPr id="6" name="灯片编号占位符 5">
             <a:extLst>
               <a:ext uri="{FF2B5EF4-FFF2-40B4-BE49-F238E27FC236}">
-                <a16:creationId xmlns:a16="http://schemas.microsoft.com/office/drawing/2014/main" id="{4C9AAA22-DE8D-6EB6-E5C7-218BCFB7FD5F}"/>
+                <a16:creationId xmlns:a16="http://schemas.microsoft.com/office/drawing/2014/main" id="{B43A4BB3-7079-26F1-2FD8-16B8BDCD4DA2}"/>
               </a:ext>
             </a:extLst>
           </p:cNvPr>
@@ -1185,7 +1185,7 @@
           <a:bodyPr/>
           <a:lstStyle/>
           <a:p>
-            <a:fld id="{9C22A715-222B-4576-B863-D28AF96686BF}" type="slidenum">
+            <a:fld id="{E0CF7780-D801-4242-A759-98895BDD6098}" type="slidenum">
               <a:rPr lang="zh-CN" altLang="en-US" smtClean="0"/>
               <a:t>‹#›</a:t>
             </a:fld>
@@ -1196,7 +1196,7 @@
     </p:spTree>
     <p:extLst>
       <p:ext uri="{BB962C8B-B14F-4D97-AF65-F5344CB8AC3E}">
-        <p14:creationId xmlns:p14="http://schemas.microsoft.com/office/powerpoint/2010/main" val="2373586563"/>
+        <p14:creationId xmlns:p14="http://schemas.microsoft.com/office/powerpoint/2010/main" val="3997614901"/>
       </p:ext>
     </p:extLst>
   </p:cSld>
@@ -1228,7 +1228,7 @@
           <p:cNvPr id="2" name="标题 1">
             <a:extLst>
               <a:ext uri="{FF2B5EF4-FFF2-40B4-BE49-F238E27FC236}">
-                <a16:creationId xmlns:a16="http://schemas.microsoft.com/office/drawing/2014/main" id="{4DC63F26-C080-8054-6E2F-9F9228198E6F}"/>
+                <a16:creationId xmlns:a16="http://schemas.microsoft.com/office/drawing/2014/main" id="{5702CA8A-4386-CFFA-3553-508A837061F4}"/>
               </a:ext>
             </a:extLst>
           </p:cNvPr>
@@ -1256,7 +1256,7 @@
           <p:cNvPr id="3" name="内容占位符 2">
             <a:extLst>
               <a:ext uri="{FF2B5EF4-FFF2-40B4-BE49-F238E27FC236}">
-                <a16:creationId xmlns:a16="http://schemas.microsoft.com/office/drawing/2014/main" id="{A23667C3-8BD0-2030-3B7D-5D0D9C4C5A40}"/>
+                <a16:creationId xmlns:a16="http://schemas.microsoft.com/office/drawing/2014/main" id="{071EB235-7658-3581-D5E9-3E1BBC2B74A3}"/>
               </a:ext>
             </a:extLst>
           </p:cNvPr>
@@ -1318,7 +1318,7 @@
           <p:cNvPr id="4" name="内容占位符 3">
             <a:extLst>
               <a:ext uri="{FF2B5EF4-FFF2-40B4-BE49-F238E27FC236}">
-                <a16:creationId xmlns:a16="http://schemas.microsoft.com/office/drawing/2014/main" id="{201F79BF-3ABF-79BB-97AA-B8CC08C091D7}"/>
+                <a16:creationId xmlns:a16="http://schemas.microsoft.com/office/drawing/2014/main" id="{24B0DD3C-32A5-E2B0-9B8B-B81A2ED2F2FC}"/>
               </a:ext>
             </a:extLst>
           </p:cNvPr>
@@ -1380,7 +1380,7 @@
           <p:cNvPr id="5" name="日期占位符 4">
             <a:extLst>
               <a:ext uri="{FF2B5EF4-FFF2-40B4-BE49-F238E27FC236}">
-                <a16:creationId xmlns:a16="http://schemas.microsoft.com/office/drawing/2014/main" id="{27236BD6-BB7F-D8C7-023A-C14B367A2225}"/>
+                <a16:creationId xmlns:a16="http://schemas.microsoft.com/office/drawing/2014/main" id="{71438EB1-634F-5FCE-E71C-D7AC4CDA5CB6}"/>
               </a:ext>
             </a:extLst>
           </p:cNvPr>
@@ -1396,7 +1396,7 @@
           <a:bodyPr/>
           <a:lstStyle/>
           <a:p>
-            <a:fld id="{0A206EE8-CF33-460A-BE90-B8A5F3B80D24}" type="datetimeFigureOut">
+            <a:fld id="{E2124A15-0960-467E-AD43-5F1DB57EDB45}" type="datetimeFigureOut">
               <a:rPr lang="zh-CN" altLang="en-US" smtClean="0"/>
               <a:t>2024/3/10</a:t>
             </a:fld>
@@ -1409,7 +1409,7 @@
           <p:cNvPr id="6" name="页脚占位符 5">
             <a:extLst>
               <a:ext uri="{FF2B5EF4-FFF2-40B4-BE49-F238E27FC236}">
-                <a16:creationId xmlns:a16="http://schemas.microsoft.com/office/drawing/2014/main" id="{199D2A77-E0B2-F556-E1D7-BE815963FB92}"/>
+                <a16:creationId xmlns:a16="http://schemas.microsoft.com/office/drawing/2014/main" id="{61C6663A-CF7C-1F4A-6AAB-703CC14A4110}"/>
               </a:ext>
             </a:extLst>
           </p:cNvPr>
@@ -1434,7 +1434,7 @@
           <p:cNvPr id="7" name="灯片编号占位符 6">
             <a:extLst>
               <a:ext uri="{FF2B5EF4-FFF2-40B4-BE49-F238E27FC236}">
-                <a16:creationId xmlns:a16="http://schemas.microsoft.com/office/drawing/2014/main" id="{2BEC34B2-232F-0ED0-A8FF-321920E41BB1}"/>
+                <a16:creationId xmlns:a16="http://schemas.microsoft.com/office/drawing/2014/main" id="{CF0A56C1-B315-3D53-A7C6-85F47BAF74D6}"/>
               </a:ext>
             </a:extLst>
           </p:cNvPr>
@@ -1450,7 +1450,7 @@
           <a:bodyPr/>
           <a:lstStyle/>
           <a:p>
-            <a:fld id="{9C22A715-222B-4576-B863-D28AF96686BF}" type="slidenum">
+            <a:fld id="{E0CF7780-D801-4242-A759-98895BDD6098}" type="slidenum">
               <a:rPr lang="zh-CN" altLang="en-US" smtClean="0"/>
               <a:t>‹#›</a:t>
             </a:fld>
@@ -1461,7 +1461,7 @@
     </p:spTree>
     <p:extLst>
       <p:ext uri="{BB962C8B-B14F-4D97-AF65-F5344CB8AC3E}">
-        <p14:creationId xmlns:p14="http://schemas.microsoft.com/office/powerpoint/2010/main" val="3534712751"/>
+        <p14:creationId xmlns:p14="http://schemas.microsoft.com/office/powerpoint/2010/main" val="3076224918"/>
       </p:ext>
     </p:extLst>
   </p:cSld>
@@ -1493,7 +1493,7 @@
           <p:cNvPr id="2" name="标题 1">
             <a:extLst>
               <a:ext uri="{FF2B5EF4-FFF2-40B4-BE49-F238E27FC236}">
-                <a16:creationId xmlns:a16="http://schemas.microsoft.com/office/drawing/2014/main" id="{CAAA8662-CAB6-051D-B751-39411CBBBEA5}"/>
+                <a16:creationId xmlns:a16="http://schemas.microsoft.com/office/drawing/2014/main" id="{3A7D8B63-DA73-2F77-4E23-26BC87906F6A}"/>
               </a:ext>
             </a:extLst>
           </p:cNvPr>
@@ -1526,7 +1526,7 @@
           <p:cNvPr id="3" name="文本占位符 2">
             <a:extLst>
               <a:ext uri="{FF2B5EF4-FFF2-40B4-BE49-F238E27FC236}">
-                <a16:creationId xmlns:a16="http://schemas.microsoft.com/office/drawing/2014/main" id="{BA077007-E9B2-36A3-D122-AA04991EF127}"/>
+                <a16:creationId xmlns:a16="http://schemas.microsoft.com/office/drawing/2014/main" id="{65539729-030A-22D3-352C-13A743EE1228}"/>
               </a:ext>
             </a:extLst>
           </p:cNvPr>
@@ -1597,7 +1597,7 @@
           <p:cNvPr id="4" name="内容占位符 3">
             <a:extLst>
               <a:ext uri="{FF2B5EF4-FFF2-40B4-BE49-F238E27FC236}">
-                <a16:creationId xmlns:a16="http://schemas.microsoft.com/office/drawing/2014/main" id="{2776AF35-C469-E941-C62B-3FB472D46BD9}"/>
+                <a16:creationId xmlns:a16="http://schemas.microsoft.com/office/drawing/2014/main" id="{FCFC95F4-6A1D-3BF4-3F3D-CE7D69A41E7A}"/>
               </a:ext>
             </a:extLst>
           </p:cNvPr>
@@ -1659,7 +1659,7 @@
           <p:cNvPr id="5" name="文本占位符 4">
             <a:extLst>
               <a:ext uri="{FF2B5EF4-FFF2-40B4-BE49-F238E27FC236}">
-                <a16:creationId xmlns:a16="http://schemas.microsoft.com/office/drawing/2014/main" id="{74905C46-647C-DC1B-487C-C000F100D032}"/>
+                <a16:creationId xmlns:a16="http://schemas.microsoft.com/office/drawing/2014/main" id="{79624607-8948-266A-710A-8319B2258684}"/>
               </a:ext>
             </a:extLst>
           </p:cNvPr>
@@ -1730,7 +1730,7 @@
           <p:cNvPr id="6" name="内容占位符 5">
             <a:extLst>
               <a:ext uri="{FF2B5EF4-FFF2-40B4-BE49-F238E27FC236}">
-                <a16:creationId xmlns:a16="http://schemas.microsoft.com/office/drawing/2014/main" id="{DAE236D2-0171-3EFC-DE1A-BBE7E27DC1DA}"/>
+                <a16:creationId xmlns:a16="http://schemas.microsoft.com/office/drawing/2014/main" id="{86C2A66A-5FA6-1A4A-FE60-52582588278B}"/>
               </a:ext>
             </a:extLst>
           </p:cNvPr>
@@ -1792,7 +1792,7 @@
           <p:cNvPr id="7" name="日期占位符 6">
             <a:extLst>
               <a:ext uri="{FF2B5EF4-FFF2-40B4-BE49-F238E27FC236}">
-                <a16:creationId xmlns:a16="http://schemas.microsoft.com/office/drawing/2014/main" id="{25063DE9-FBF5-6C22-C6A8-3E84909E731F}"/>
+                <a16:creationId xmlns:a16="http://schemas.microsoft.com/office/drawing/2014/main" id="{C345EB3A-3691-FE25-49CC-FE5FABDDBB20}"/>
               </a:ext>
             </a:extLst>
           </p:cNvPr>
@@ -1808,7 +1808,7 @@
           <a:bodyPr/>
           <a:lstStyle/>
           <a:p>
-            <a:fld id="{0A206EE8-CF33-460A-BE90-B8A5F3B80D24}" type="datetimeFigureOut">
+            <a:fld id="{E2124A15-0960-467E-AD43-5F1DB57EDB45}" type="datetimeFigureOut">
               <a:rPr lang="zh-CN" altLang="en-US" smtClean="0"/>
               <a:t>2024/3/10</a:t>
             </a:fld>
@@ -1821,7 +1821,7 @@
           <p:cNvPr id="8" name="页脚占位符 7">
             <a:extLst>
               <a:ext uri="{FF2B5EF4-FFF2-40B4-BE49-F238E27FC236}">
-                <a16:creationId xmlns:a16="http://schemas.microsoft.com/office/drawing/2014/main" id="{6EBBD1A3-04EE-8566-A9CD-ACC13A2F1B34}"/>
+                <a16:creationId xmlns:a16="http://schemas.microsoft.com/office/drawing/2014/main" id="{B5FCE1ED-64E1-CC97-F599-ED91A21DB403}"/>
               </a:ext>
             </a:extLst>
           </p:cNvPr>
@@ -1846,7 +1846,7 @@
           <p:cNvPr id="9" name="灯片编号占位符 8">
             <a:extLst>
               <a:ext uri="{FF2B5EF4-FFF2-40B4-BE49-F238E27FC236}">
-                <a16:creationId xmlns:a16="http://schemas.microsoft.com/office/drawing/2014/main" id="{805FDB28-1226-0995-80CB-2CB5FF0AAB66}"/>
+                <a16:creationId xmlns:a16="http://schemas.microsoft.com/office/drawing/2014/main" id="{AAF37731-6AA3-F293-E153-FCDBDED855F4}"/>
               </a:ext>
             </a:extLst>
           </p:cNvPr>
@@ -1862,7 +1862,7 @@
           <a:bodyPr/>
           <a:lstStyle/>
           <a:p>
-            <a:fld id="{9C22A715-222B-4576-B863-D28AF96686BF}" type="slidenum">
+            <a:fld id="{E0CF7780-D801-4242-A759-98895BDD6098}" type="slidenum">
               <a:rPr lang="zh-CN" altLang="en-US" smtClean="0"/>
               <a:t>‹#›</a:t>
             </a:fld>
@@ -1873,7 +1873,7 @@
     </p:spTree>
     <p:extLst>
       <p:ext uri="{BB962C8B-B14F-4D97-AF65-F5344CB8AC3E}">
-        <p14:creationId xmlns:p14="http://schemas.microsoft.com/office/powerpoint/2010/main" val="208508"/>
+        <p14:creationId xmlns:p14="http://schemas.microsoft.com/office/powerpoint/2010/main" val="2744201064"/>
       </p:ext>
     </p:extLst>
   </p:cSld>
@@ -1905,7 +1905,7 @@
           <p:cNvPr id="2" name="标题 1">
             <a:extLst>
               <a:ext uri="{FF2B5EF4-FFF2-40B4-BE49-F238E27FC236}">
-                <a16:creationId xmlns:a16="http://schemas.microsoft.com/office/drawing/2014/main" id="{9C9AD16C-111F-8EAF-5636-3EBDDEE10B16}"/>
+                <a16:creationId xmlns:a16="http://schemas.microsoft.com/office/drawing/2014/main" id="{56F7DB0F-1521-2646-44CC-CA47C446C60B}"/>
               </a:ext>
             </a:extLst>
           </p:cNvPr>
@@ -1933,7 +1933,7 @@
           <p:cNvPr id="3" name="日期占位符 2">
             <a:extLst>
               <a:ext uri="{FF2B5EF4-FFF2-40B4-BE49-F238E27FC236}">
-                <a16:creationId xmlns:a16="http://schemas.microsoft.com/office/drawing/2014/main" id="{5BE7BA58-AC99-46CB-6DAB-FB21D4FD97B1}"/>
+                <a16:creationId xmlns:a16="http://schemas.microsoft.com/office/drawing/2014/main" id="{3F0D108D-99CA-4B15-B547-A13156694962}"/>
               </a:ext>
             </a:extLst>
           </p:cNvPr>
@@ -1949,7 +1949,7 @@
           <a:bodyPr/>
           <a:lstStyle/>
           <a:p>
-            <a:fld id="{0A206EE8-CF33-460A-BE90-B8A5F3B80D24}" type="datetimeFigureOut">
+            <a:fld id="{E2124A15-0960-467E-AD43-5F1DB57EDB45}" type="datetimeFigureOut">
               <a:rPr lang="zh-CN" altLang="en-US" smtClean="0"/>
               <a:t>2024/3/10</a:t>
             </a:fld>
@@ -1962,7 +1962,7 @@
           <p:cNvPr id="4" name="页脚占位符 3">
             <a:extLst>
               <a:ext uri="{FF2B5EF4-FFF2-40B4-BE49-F238E27FC236}">
-                <a16:creationId xmlns:a16="http://schemas.microsoft.com/office/drawing/2014/main" id="{0FD12CD8-171A-FF53-748D-1E2919313805}"/>
+                <a16:creationId xmlns:a16="http://schemas.microsoft.com/office/drawing/2014/main" id="{B55F9525-2F79-C129-5830-C2688A14FDBC}"/>
               </a:ext>
             </a:extLst>
           </p:cNvPr>
@@ -1987,7 +1987,7 @@
           <p:cNvPr id="5" name="灯片编号占位符 4">
             <a:extLst>
               <a:ext uri="{FF2B5EF4-FFF2-40B4-BE49-F238E27FC236}">
-                <a16:creationId xmlns:a16="http://schemas.microsoft.com/office/drawing/2014/main" id="{8BE47CD9-CFE1-1F6C-A959-5E7AD13A1781}"/>
+                <a16:creationId xmlns:a16="http://schemas.microsoft.com/office/drawing/2014/main" id="{6D6661CD-DB6F-E4DD-C47B-9ABFB7863913}"/>
               </a:ext>
             </a:extLst>
           </p:cNvPr>
@@ -2003,7 +2003,7 @@
           <a:bodyPr/>
           <a:lstStyle/>
           <a:p>
-            <a:fld id="{9C22A715-222B-4576-B863-D28AF96686BF}" type="slidenum">
+            <a:fld id="{E0CF7780-D801-4242-A759-98895BDD6098}" type="slidenum">
               <a:rPr lang="zh-CN" altLang="en-US" smtClean="0"/>
               <a:t>‹#›</a:t>
             </a:fld>
@@ -2014,7 +2014,7 @@
     </p:spTree>
     <p:extLst>
       <p:ext uri="{BB962C8B-B14F-4D97-AF65-F5344CB8AC3E}">
-        <p14:creationId xmlns:p14="http://schemas.microsoft.com/office/powerpoint/2010/main" val="408244577"/>
+        <p14:creationId xmlns:p14="http://schemas.microsoft.com/office/powerpoint/2010/main" val="2730687326"/>
       </p:ext>
     </p:extLst>
   </p:cSld>
@@ -2046,7 +2046,7 @@
           <p:cNvPr id="2" name="日期占位符 1">
             <a:extLst>
               <a:ext uri="{FF2B5EF4-FFF2-40B4-BE49-F238E27FC236}">
-                <a16:creationId xmlns:a16="http://schemas.microsoft.com/office/drawing/2014/main" id="{60AA8807-363B-5A2B-F865-B69F1709059E}"/>
+                <a16:creationId xmlns:a16="http://schemas.microsoft.com/office/drawing/2014/main" id="{8EF51E0F-6DE9-44F7-625F-A53E4CC2C7FF}"/>
               </a:ext>
             </a:extLst>
           </p:cNvPr>
@@ -2062,7 +2062,7 @@
           <a:bodyPr/>
           <a:lstStyle/>
           <a:p>
-            <a:fld id="{0A206EE8-CF33-460A-BE90-B8A5F3B80D24}" type="datetimeFigureOut">
+            <a:fld id="{E2124A15-0960-467E-AD43-5F1DB57EDB45}" type="datetimeFigureOut">
               <a:rPr lang="zh-CN" altLang="en-US" smtClean="0"/>
               <a:t>2024/3/10</a:t>
             </a:fld>
@@ -2075,7 +2075,7 @@
           <p:cNvPr id="3" name="页脚占位符 2">
             <a:extLst>
               <a:ext uri="{FF2B5EF4-FFF2-40B4-BE49-F238E27FC236}">
-                <a16:creationId xmlns:a16="http://schemas.microsoft.com/office/drawing/2014/main" id="{F681CC8C-D51D-FCAC-FE3A-7CB1CDDC2354}"/>
+                <a16:creationId xmlns:a16="http://schemas.microsoft.com/office/drawing/2014/main" id="{DA848E87-2B6C-625A-DA6B-E0D2D70E054E}"/>
               </a:ext>
             </a:extLst>
           </p:cNvPr>
@@ -2100,7 +2100,7 @@
           <p:cNvPr id="4" name="灯片编号占位符 3">
             <a:extLst>
               <a:ext uri="{FF2B5EF4-FFF2-40B4-BE49-F238E27FC236}">
-                <a16:creationId xmlns:a16="http://schemas.microsoft.com/office/drawing/2014/main" id="{9EF6E9F9-8D8D-CAB9-B195-48A0ECA116B8}"/>
+                <a16:creationId xmlns:a16="http://schemas.microsoft.com/office/drawing/2014/main" id="{5FBF9ABD-36F9-5181-3F50-14F68FCFA843}"/>
               </a:ext>
             </a:extLst>
           </p:cNvPr>
@@ -2116,7 +2116,7 @@
           <a:bodyPr/>
           <a:lstStyle/>
           <a:p>
-            <a:fld id="{9C22A715-222B-4576-B863-D28AF96686BF}" type="slidenum">
+            <a:fld id="{E0CF7780-D801-4242-A759-98895BDD6098}" type="slidenum">
               <a:rPr lang="zh-CN" altLang="en-US" smtClean="0"/>
               <a:t>‹#›</a:t>
             </a:fld>
@@ -2127,7 +2127,7 @@
     </p:spTree>
     <p:extLst>
       <p:ext uri="{BB962C8B-B14F-4D97-AF65-F5344CB8AC3E}">
-        <p14:creationId xmlns:p14="http://schemas.microsoft.com/office/powerpoint/2010/main" val="2189834382"/>
+        <p14:creationId xmlns:p14="http://schemas.microsoft.com/office/powerpoint/2010/main" val="922618500"/>
       </p:ext>
     </p:extLst>
   </p:cSld>
@@ -2159,7 +2159,7 @@
           <p:cNvPr id="2" name="标题 1">
             <a:extLst>
               <a:ext uri="{FF2B5EF4-FFF2-40B4-BE49-F238E27FC236}">
-                <a16:creationId xmlns:a16="http://schemas.microsoft.com/office/drawing/2014/main" id="{D85B0A00-2D8E-89FA-0193-094703B1817C}"/>
+                <a16:creationId xmlns:a16="http://schemas.microsoft.com/office/drawing/2014/main" id="{455671D8-F6C3-97E6-A0ED-A397EBA531BB}"/>
               </a:ext>
             </a:extLst>
           </p:cNvPr>
@@ -2196,7 +2196,7 @@
           <p:cNvPr id="3" name="内容占位符 2">
             <a:extLst>
               <a:ext uri="{FF2B5EF4-FFF2-40B4-BE49-F238E27FC236}">
-                <a16:creationId xmlns:a16="http://schemas.microsoft.com/office/drawing/2014/main" id="{84E488B2-9EC3-B9EF-5BF8-248E7009F77D}"/>
+                <a16:creationId xmlns:a16="http://schemas.microsoft.com/office/drawing/2014/main" id="{004CED53-F568-EA90-4DAC-CE7E9D022ED7}"/>
               </a:ext>
             </a:extLst>
           </p:cNvPr>
@@ -2286,7 +2286,7 @@
           <p:cNvPr id="4" name="文本占位符 3">
             <a:extLst>
               <a:ext uri="{FF2B5EF4-FFF2-40B4-BE49-F238E27FC236}">
-                <a16:creationId xmlns:a16="http://schemas.microsoft.com/office/drawing/2014/main" id="{EE6D9C26-8CD0-95A0-7E5B-5574C16CF95B}"/>
+                <a16:creationId xmlns:a16="http://schemas.microsoft.com/office/drawing/2014/main" id="{B27F16C4-F7BB-4E89-3D54-4A728881EADA}"/>
               </a:ext>
             </a:extLst>
           </p:cNvPr>
@@ -2357,7 +2357,7 @@
           <p:cNvPr id="5" name="日期占位符 4">
             <a:extLst>
               <a:ext uri="{FF2B5EF4-FFF2-40B4-BE49-F238E27FC236}">
-                <a16:creationId xmlns:a16="http://schemas.microsoft.com/office/drawing/2014/main" id="{233BC001-D302-1C84-1A32-9FB55C697C51}"/>
+                <a16:creationId xmlns:a16="http://schemas.microsoft.com/office/drawing/2014/main" id="{911A1F14-5BA1-8609-55D3-818B936E512B}"/>
               </a:ext>
             </a:extLst>
           </p:cNvPr>
@@ -2373,7 +2373,7 @@
           <a:bodyPr/>
           <a:lstStyle/>
           <a:p>
-            <a:fld id="{0A206EE8-CF33-460A-BE90-B8A5F3B80D24}" type="datetimeFigureOut">
+            <a:fld id="{E2124A15-0960-467E-AD43-5F1DB57EDB45}" type="datetimeFigureOut">
               <a:rPr lang="zh-CN" altLang="en-US" smtClean="0"/>
               <a:t>2024/3/10</a:t>
             </a:fld>
@@ -2386,7 +2386,7 @@
           <p:cNvPr id="6" name="页脚占位符 5">
             <a:extLst>
               <a:ext uri="{FF2B5EF4-FFF2-40B4-BE49-F238E27FC236}">
-                <a16:creationId xmlns:a16="http://schemas.microsoft.com/office/drawing/2014/main" id="{A92F1F1D-3D9C-33F5-7BBA-CA3B6EB7960F}"/>
+                <a16:creationId xmlns:a16="http://schemas.microsoft.com/office/drawing/2014/main" id="{FE178AD7-9D1A-34F3-249A-AE727194EE3F}"/>
               </a:ext>
             </a:extLst>
           </p:cNvPr>
@@ -2411,7 +2411,7 @@
           <p:cNvPr id="7" name="灯片编号占位符 6">
             <a:extLst>
               <a:ext uri="{FF2B5EF4-FFF2-40B4-BE49-F238E27FC236}">
-                <a16:creationId xmlns:a16="http://schemas.microsoft.com/office/drawing/2014/main" id="{B648FCA3-E80D-6276-2665-DA43CB16AFB1}"/>
+                <a16:creationId xmlns:a16="http://schemas.microsoft.com/office/drawing/2014/main" id="{0801BFDA-8C11-5584-D752-BC3BEE20CB7B}"/>
               </a:ext>
             </a:extLst>
           </p:cNvPr>
@@ -2427,7 +2427,7 @@
           <a:bodyPr/>
           <a:lstStyle/>
           <a:p>
-            <a:fld id="{9C22A715-222B-4576-B863-D28AF96686BF}" type="slidenum">
+            <a:fld id="{E0CF7780-D801-4242-A759-98895BDD6098}" type="slidenum">
               <a:rPr lang="zh-CN" altLang="en-US" smtClean="0"/>
               <a:t>‹#›</a:t>
             </a:fld>
@@ -2438,7 +2438,7 @@
     </p:spTree>
     <p:extLst>
       <p:ext uri="{BB962C8B-B14F-4D97-AF65-F5344CB8AC3E}">
-        <p14:creationId xmlns:p14="http://schemas.microsoft.com/office/powerpoint/2010/main" val="223842257"/>
+        <p14:creationId xmlns:p14="http://schemas.microsoft.com/office/powerpoint/2010/main" val="3815159210"/>
       </p:ext>
     </p:extLst>
   </p:cSld>
@@ -2470,7 +2470,7 @@
           <p:cNvPr id="2" name="标题 1">
             <a:extLst>
               <a:ext uri="{FF2B5EF4-FFF2-40B4-BE49-F238E27FC236}">
-                <a16:creationId xmlns:a16="http://schemas.microsoft.com/office/drawing/2014/main" id="{F490DB05-67E9-96E5-C95E-A2968439C8B6}"/>
+                <a16:creationId xmlns:a16="http://schemas.microsoft.com/office/drawing/2014/main" id="{942227B1-752D-D88C-C182-239F0B7E31CB}"/>
               </a:ext>
             </a:extLst>
           </p:cNvPr>
@@ -2507,7 +2507,7 @@
           <p:cNvPr id="3" name="图片占位符 2">
             <a:extLst>
               <a:ext uri="{FF2B5EF4-FFF2-40B4-BE49-F238E27FC236}">
-                <a16:creationId xmlns:a16="http://schemas.microsoft.com/office/drawing/2014/main" id="{58D2B199-869D-F480-9C7A-211702548359}"/>
+                <a16:creationId xmlns:a16="http://schemas.microsoft.com/office/drawing/2014/main" id="{F5DDFCD5-F49B-8501-9EC4-EB0EA3EBCDEB}"/>
               </a:ext>
             </a:extLst>
           </p:cNvPr>
@@ -2574,7 +2574,7 @@
           <p:cNvPr id="4" name="文本占位符 3">
             <a:extLst>
               <a:ext uri="{FF2B5EF4-FFF2-40B4-BE49-F238E27FC236}">
-                <a16:creationId xmlns:a16="http://schemas.microsoft.com/office/drawing/2014/main" id="{1FD45821-70E2-E93D-4E41-70762D356A98}"/>
+                <a16:creationId xmlns:a16="http://schemas.microsoft.com/office/drawing/2014/main" id="{7B44EC25-FC22-54DD-4D15-2686A7C0684F}"/>
               </a:ext>
             </a:extLst>
           </p:cNvPr>
@@ -2645,7 +2645,7 @@
           <p:cNvPr id="5" name="日期占位符 4">
             <a:extLst>
               <a:ext uri="{FF2B5EF4-FFF2-40B4-BE49-F238E27FC236}">
-                <a16:creationId xmlns:a16="http://schemas.microsoft.com/office/drawing/2014/main" id="{8616BE26-632A-7789-7DDF-B29EBE7F2D7E}"/>
+                <a16:creationId xmlns:a16="http://schemas.microsoft.com/office/drawing/2014/main" id="{F27CB04A-1319-D84A-ADF4-02DE156D60B5}"/>
               </a:ext>
             </a:extLst>
           </p:cNvPr>
@@ -2661,7 +2661,7 @@
           <a:bodyPr/>
           <a:lstStyle/>
           <a:p>
-            <a:fld id="{0A206EE8-CF33-460A-BE90-B8A5F3B80D24}" type="datetimeFigureOut">
+            <a:fld id="{E2124A15-0960-467E-AD43-5F1DB57EDB45}" type="datetimeFigureOut">
               <a:rPr lang="zh-CN" altLang="en-US" smtClean="0"/>
               <a:t>2024/3/10</a:t>
             </a:fld>
@@ -2674,7 +2674,7 @@
           <p:cNvPr id="6" name="页脚占位符 5">
             <a:extLst>
               <a:ext uri="{FF2B5EF4-FFF2-40B4-BE49-F238E27FC236}">
-                <a16:creationId xmlns:a16="http://schemas.microsoft.com/office/drawing/2014/main" id="{F3A8EB6F-4455-E172-45CB-E04B0A267397}"/>
+                <a16:creationId xmlns:a16="http://schemas.microsoft.com/office/drawing/2014/main" id="{8D058B27-4531-A2C7-A23B-ADBC2025EEE7}"/>
               </a:ext>
             </a:extLst>
           </p:cNvPr>
@@ -2699,7 +2699,7 @@
           <p:cNvPr id="7" name="灯片编号占位符 6">
             <a:extLst>
               <a:ext uri="{FF2B5EF4-FFF2-40B4-BE49-F238E27FC236}">
-                <a16:creationId xmlns:a16="http://schemas.microsoft.com/office/drawing/2014/main" id="{FE68F623-575A-3A23-7B13-D49341B880A1}"/>
+                <a16:creationId xmlns:a16="http://schemas.microsoft.com/office/drawing/2014/main" id="{3DA5BCD1-0C0B-5EFE-7487-5561E7D49143}"/>
               </a:ext>
             </a:extLst>
           </p:cNvPr>
@@ -2715,7 +2715,7 @@
           <a:bodyPr/>
           <a:lstStyle/>
           <a:p>
-            <a:fld id="{9C22A715-222B-4576-B863-D28AF96686BF}" type="slidenum">
+            <a:fld id="{E0CF7780-D801-4242-A759-98895BDD6098}" type="slidenum">
               <a:rPr lang="zh-CN" altLang="en-US" smtClean="0"/>
               <a:t>‹#›</a:t>
             </a:fld>
@@ -2726,7 +2726,7 @@
     </p:spTree>
     <p:extLst>
       <p:ext uri="{BB962C8B-B14F-4D97-AF65-F5344CB8AC3E}">
-        <p14:creationId xmlns:p14="http://schemas.microsoft.com/office/powerpoint/2010/main" val="668134491"/>
+        <p14:creationId xmlns:p14="http://schemas.microsoft.com/office/powerpoint/2010/main" val="4274467870"/>
       </p:ext>
     </p:extLst>
   </p:cSld>
@@ -2763,7 +2763,7 @@
           <p:cNvPr id="2" name="标题占位符 1">
             <a:extLst>
               <a:ext uri="{FF2B5EF4-FFF2-40B4-BE49-F238E27FC236}">
-                <a16:creationId xmlns:a16="http://schemas.microsoft.com/office/drawing/2014/main" id="{A04956C5-02D3-A0C4-0C00-D1F29C7CE2DD}"/>
+                <a16:creationId xmlns:a16="http://schemas.microsoft.com/office/drawing/2014/main" id="{D6D57BB6-8A43-3B70-6B71-20CD115E3EC1}"/>
               </a:ext>
             </a:extLst>
           </p:cNvPr>
@@ -2801,7 +2801,7 @@
           <p:cNvPr id="3" name="文本占位符 2">
             <a:extLst>
               <a:ext uri="{FF2B5EF4-FFF2-40B4-BE49-F238E27FC236}">
-                <a16:creationId xmlns:a16="http://schemas.microsoft.com/office/drawing/2014/main" id="{2110069F-76FC-6967-868D-968985F60A24}"/>
+                <a16:creationId xmlns:a16="http://schemas.microsoft.com/office/drawing/2014/main" id="{8C3F0484-B5C2-A70A-5390-B4B3E94942B8}"/>
               </a:ext>
             </a:extLst>
           </p:cNvPr>
@@ -2868,7 +2868,7 @@
           <p:cNvPr id="4" name="日期占位符 3">
             <a:extLst>
               <a:ext uri="{FF2B5EF4-FFF2-40B4-BE49-F238E27FC236}">
-                <a16:creationId xmlns:a16="http://schemas.microsoft.com/office/drawing/2014/main" id="{FB30BB68-787E-2DEF-4019-DAA74618C06C}"/>
+                <a16:creationId xmlns:a16="http://schemas.microsoft.com/office/drawing/2014/main" id="{8D88D0F8-4F2B-7E7D-D897-44C8DBA4B994}"/>
               </a:ext>
             </a:extLst>
           </p:cNvPr>
@@ -2902,7 +2902,7 @@
             </a:lvl1pPr>
           </a:lstStyle>
           <a:p>
-            <a:fld id="{0A206EE8-CF33-460A-BE90-B8A5F3B80D24}" type="datetimeFigureOut">
+            <a:fld id="{E2124A15-0960-467E-AD43-5F1DB57EDB45}" type="datetimeFigureOut">
               <a:rPr lang="zh-CN" altLang="en-US" smtClean="0"/>
               <a:t>2024/3/10</a:t>
             </a:fld>
@@ -2915,7 +2915,7 @@
           <p:cNvPr id="5" name="页脚占位符 4">
             <a:extLst>
               <a:ext uri="{FF2B5EF4-FFF2-40B4-BE49-F238E27FC236}">
-                <a16:creationId xmlns:a16="http://schemas.microsoft.com/office/drawing/2014/main" id="{36430F4A-EDB8-BC9A-1592-16EFC54608A3}"/>
+                <a16:creationId xmlns:a16="http://schemas.microsoft.com/office/drawing/2014/main" id="{62D8CA15-3507-9B6B-3338-7D13318A5D9E}"/>
               </a:ext>
             </a:extLst>
           </p:cNvPr>
@@ -2958,7 +2958,7 @@
           <p:cNvPr id="6" name="灯片编号占位符 5">
             <a:extLst>
               <a:ext uri="{FF2B5EF4-FFF2-40B4-BE49-F238E27FC236}">
-                <a16:creationId xmlns:a16="http://schemas.microsoft.com/office/drawing/2014/main" id="{70C5A549-B314-30B4-15C4-E77F48E7C455}"/>
+                <a16:creationId xmlns:a16="http://schemas.microsoft.com/office/drawing/2014/main" id="{DF105D3A-5259-5972-BA61-05645803F92A}"/>
               </a:ext>
             </a:extLst>
           </p:cNvPr>
@@ -2992,7 +2992,7 @@
             </a:lvl1pPr>
           </a:lstStyle>
           <a:p>
-            <a:fld id="{9C22A715-222B-4576-B863-D28AF96686BF}" type="slidenum">
+            <a:fld id="{E0CF7780-D801-4242-A759-98895BDD6098}" type="slidenum">
               <a:rPr lang="zh-CN" altLang="en-US" smtClean="0"/>
               <a:t>‹#›</a:t>
             </a:fld>
@@ -3003,7 +3003,7 @@
     </p:spTree>
     <p:extLst>
       <p:ext uri="{BB962C8B-B14F-4D97-AF65-F5344CB8AC3E}">
-        <p14:creationId xmlns:p14="http://schemas.microsoft.com/office/powerpoint/2010/main" val="1695683597"/>
+        <p14:creationId xmlns:p14="http://schemas.microsoft.com/office/powerpoint/2010/main" val="2587670904"/>
       </p:ext>
     </p:extLst>
   </p:cSld>
